--- a/Topics/Slides/ClassCommunity3Outreach.pptx
+++ b/Topics/Slides/ClassCommunity3Outreach.pptx
@@ -227,7 +227,7 @@
           <a:p>
             <a:fld id="{C24322AF-E05B-7249-906C-FBAC6154C037}" type="datetimeFigureOut">
               <a:rPr lang="en-US" smtClean="0"/>
-              <a:t>5/5/19</a:t>
+              <a:t>1/24/21</a:t>
             </a:fld>
             <a:endParaRPr lang="en-US"/>
           </a:p>
@@ -393,7 +393,7 @@
             <a:fld id="{06A43BE5-3BD4-F642-8751-88A31D8D6D13}" type="datetimeFigureOut">
               <a:rPr lang="en-US" smtClean="0"/>
               <a:pPr/>
-              <a:t>5/5/19</a:t>
+              <a:t>1/24/21</a:t>
             </a:fld>
             <a:endParaRPr lang="en-US"/>
           </a:p>
@@ -936,7 +936,7 @@
             <a:fld id="{A4FA2B0E-4818-9849-9CF1-1031FD4E1DAB}" type="datetimeFigureOut">
               <a:rPr lang="en-US" smtClean="0"/>
               <a:pPr/>
-              <a:t>5/5/19</a:t>
+              <a:t>1/24/21</a:t>
             </a:fld>
             <a:endParaRPr lang="en-US"/>
           </a:p>
@@ -1101,7 +1101,7 @@
             <a:fld id="{A4FA2B0E-4818-9849-9CF1-1031FD4E1DAB}" type="datetimeFigureOut">
               <a:rPr lang="en-US" smtClean="0"/>
               <a:pPr/>
-              <a:t>5/5/19</a:t>
+              <a:t>1/24/21</a:t>
             </a:fld>
             <a:endParaRPr lang="en-US"/>
           </a:p>
@@ -1276,7 +1276,7 @@
             <a:fld id="{A4FA2B0E-4818-9849-9CF1-1031FD4E1DAB}" type="datetimeFigureOut">
               <a:rPr lang="en-US" smtClean="0"/>
               <a:pPr/>
-              <a:t>5/5/19</a:t>
+              <a:t>1/24/21</a:t>
             </a:fld>
             <a:endParaRPr lang="en-US"/>
           </a:p>
@@ -1441,7 +1441,7 @@
             <a:fld id="{A4FA2B0E-4818-9849-9CF1-1031FD4E1DAB}" type="datetimeFigureOut">
               <a:rPr lang="en-US" smtClean="0"/>
               <a:pPr/>
-              <a:t>5/5/19</a:t>
+              <a:t>1/24/21</a:t>
             </a:fld>
             <a:endParaRPr lang="en-US"/>
           </a:p>
@@ -1683,7 +1683,7 @@
             <a:fld id="{A4FA2B0E-4818-9849-9CF1-1031FD4E1DAB}" type="datetimeFigureOut">
               <a:rPr lang="en-US" smtClean="0"/>
               <a:pPr/>
-              <a:t>5/5/19</a:t>
+              <a:t>1/24/21</a:t>
             </a:fld>
             <a:endParaRPr lang="en-US"/>
           </a:p>
@@ -1965,7 +1965,7 @@
             <a:fld id="{A4FA2B0E-4818-9849-9CF1-1031FD4E1DAB}" type="datetimeFigureOut">
               <a:rPr lang="en-US" smtClean="0"/>
               <a:pPr/>
-              <a:t>5/5/19</a:t>
+              <a:t>1/24/21</a:t>
             </a:fld>
             <a:endParaRPr lang="en-US"/>
           </a:p>
@@ -2381,7 +2381,7 @@
             <a:fld id="{A4FA2B0E-4818-9849-9CF1-1031FD4E1DAB}" type="datetimeFigureOut">
               <a:rPr lang="en-US" smtClean="0"/>
               <a:pPr/>
-              <a:t>5/5/19</a:t>
+              <a:t>1/24/21</a:t>
             </a:fld>
             <a:endParaRPr lang="en-US"/>
           </a:p>
@@ -2495,7 +2495,7 @@
             <a:fld id="{A4FA2B0E-4818-9849-9CF1-1031FD4E1DAB}" type="datetimeFigureOut">
               <a:rPr lang="en-US" smtClean="0"/>
               <a:pPr/>
-              <a:t>5/5/19</a:t>
+              <a:t>1/24/21</a:t>
             </a:fld>
             <a:endParaRPr lang="en-US"/>
           </a:p>
@@ -2587,7 +2587,7 @@
             <a:fld id="{A4FA2B0E-4818-9849-9CF1-1031FD4E1DAB}" type="datetimeFigureOut">
               <a:rPr lang="en-US" smtClean="0"/>
               <a:pPr/>
-              <a:t>5/5/19</a:t>
+              <a:t>1/24/21</a:t>
             </a:fld>
             <a:endParaRPr lang="en-US"/>
           </a:p>
@@ -2859,7 +2859,7 @@
             <a:fld id="{A4FA2B0E-4818-9849-9CF1-1031FD4E1DAB}" type="datetimeFigureOut">
               <a:rPr lang="en-US" smtClean="0"/>
               <a:pPr/>
-              <a:t>5/5/19</a:t>
+              <a:t>1/24/21</a:t>
             </a:fld>
             <a:endParaRPr lang="en-US"/>
           </a:p>
@@ -3108,7 +3108,7 @@
             <a:fld id="{A4FA2B0E-4818-9849-9CF1-1031FD4E1DAB}" type="datetimeFigureOut">
               <a:rPr lang="en-US" smtClean="0"/>
               <a:pPr/>
-              <a:t>5/5/19</a:t>
+              <a:t>1/24/21</a:t>
             </a:fld>
             <a:endParaRPr lang="en-US"/>
           </a:p>
@@ -3316,7 +3316,7 @@
             <a:fld id="{A4FA2B0E-4818-9849-9CF1-1031FD4E1DAB}" type="datetimeFigureOut">
               <a:rPr lang="en-US" smtClean="0"/>
               <a:pPr/>
-              <a:t>5/5/19</a:t>
+              <a:t>1/24/21</a:t>
             </a:fld>
             <a:endParaRPr lang="en-US"/>
           </a:p>

--- a/Topics/Slides/ClassCommunity3Outreach.pptx
+++ b/Topics/Slides/ClassCommunity3Outreach.pptx
@@ -227,7 +227,7 @@
           <a:p>
             <a:fld id="{C24322AF-E05B-7249-906C-FBAC6154C037}" type="datetimeFigureOut">
               <a:rPr lang="en-US" smtClean="0"/>
-              <a:t>1/24/21</a:t>
+              <a:t>6/20/25</a:t>
             </a:fld>
             <a:endParaRPr lang="en-US"/>
           </a:p>
@@ -393,7 +393,7 @@
             <a:fld id="{06A43BE5-3BD4-F642-8751-88A31D8D6D13}" type="datetimeFigureOut">
               <a:rPr lang="en-US" smtClean="0"/>
               <a:pPr/>
-              <a:t>1/24/21</a:t>
+              <a:t>6/20/25</a:t>
             </a:fld>
             <a:endParaRPr lang="en-US"/>
           </a:p>
@@ -936,7 +936,7 @@
             <a:fld id="{A4FA2B0E-4818-9849-9CF1-1031FD4E1DAB}" type="datetimeFigureOut">
               <a:rPr lang="en-US" smtClean="0"/>
               <a:pPr/>
-              <a:t>1/24/21</a:t>
+              <a:t>6/20/25</a:t>
             </a:fld>
             <a:endParaRPr lang="en-US"/>
           </a:p>
@@ -1101,7 +1101,7 @@
             <a:fld id="{A4FA2B0E-4818-9849-9CF1-1031FD4E1DAB}" type="datetimeFigureOut">
               <a:rPr lang="en-US" smtClean="0"/>
               <a:pPr/>
-              <a:t>1/24/21</a:t>
+              <a:t>6/20/25</a:t>
             </a:fld>
             <a:endParaRPr lang="en-US"/>
           </a:p>
@@ -1276,7 +1276,7 @@
             <a:fld id="{A4FA2B0E-4818-9849-9CF1-1031FD4E1DAB}" type="datetimeFigureOut">
               <a:rPr lang="en-US" smtClean="0"/>
               <a:pPr/>
-              <a:t>1/24/21</a:t>
+              <a:t>6/20/25</a:t>
             </a:fld>
             <a:endParaRPr lang="en-US"/>
           </a:p>
@@ -1441,7 +1441,7 @@
             <a:fld id="{A4FA2B0E-4818-9849-9CF1-1031FD4E1DAB}" type="datetimeFigureOut">
               <a:rPr lang="en-US" smtClean="0"/>
               <a:pPr/>
-              <a:t>1/24/21</a:t>
+              <a:t>6/20/25</a:t>
             </a:fld>
             <a:endParaRPr lang="en-US"/>
           </a:p>
@@ -1683,7 +1683,7 @@
             <a:fld id="{A4FA2B0E-4818-9849-9CF1-1031FD4E1DAB}" type="datetimeFigureOut">
               <a:rPr lang="en-US" smtClean="0"/>
               <a:pPr/>
-              <a:t>1/24/21</a:t>
+              <a:t>6/20/25</a:t>
             </a:fld>
             <a:endParaRPr lang="en-US"/>
           </a:p>
@@ -1965,7 +1965,7 @@
             <a:fld id="{A4FA2B0E-4818-9849-9CF1-1031FD4E1DAB}" type="datetimeFigureOut">
               <a:rPr lang="en-US" smtClean="0"/>
               <a:pPr/>
-              <a:t>1/24/21</a:t>
+              <a:t>6/20/25</a:t>
             </a:fld>
             <a:endParaRPr lang="en-US"/>
           </a:p>
@@ -2381,7 +2381,7 @@
             <a:fld id="{A4FA2B0E-4818-9849-9CF1-1031FD4E1DAB}" type="datetimeFigureOut">
               <a:rPr lang="en-US" smtClean="0"/>
               <a:pPr/>
-              <a:t>1/24/21</a:t>
+              <a:t>6/20/25</a:t>
             </a:fld>
             <a:endParaRPr lang="en-US"/>
           </a:p>
@@ -2495,7 +2495,7 @@
             <a:fld id="{A4FA2B0E-4818-9849-9CF1-1031FD4E1DAB}" type="datetimeFigureOut">
               <a:rPr lang="en-US" smtClean="0"/>
               <a:pPr/>
-              <a:t>1/24/21</a:t>
+              <a:t>6/20/25</a:t>
             </a:fld>
             <a:endParaRPr lang="en-US"/>
           </a:p>
@@ -2587,7 +2587,7 @@
             <a:fld id="{A4FA2B0E-4818-9849-9CF1-1031FD4E1DAB}" type="datetimeFigureOut">
               <a:rPr lang="en-US" smtClean="0"/>
               <a:pPr/>
-              <a:t>1/24/21</a:t>
+              <a:t>6/20/25</a:t>
             </a:fld>
             <a:endParaRPr lang="en-US"/>
           </a:p>
@@ -2859,7 +2859,7 @@
             <a:fld id="{A4FA2B0E-4818-9849-9CF1-1031FD4E1DAB}" type="datetimeFigureOut">
               <a:rPr lang="en-US" smtClean="0"/>
               <a:pPr/>
-              <a:t>1/24/21</a:t>
+              <a:t>6/20/25</a:t>
             </a:fld>
             <a:endParaRPr lang="en-US"/>
           </a:p>
@@ -3108,7 +3108,7 @@
             <a:fld id="{A4FA2B0E-4818-9849-9CF1-1031FD4E1DAB}" type="datetimeFigureOut">
               <a:rPr lang="en-US" smtClean="0"/>
               <a:pPr/>
-              <a:t>1/24/21</a:t>
+              <a:t>6/20/25</a:t>
             </a:fld>
             <a:endParaRPr lang="en-US"/>
           </a:p>
@@ -3316,7 +3316,7 @@
             <a:fld id="{A4FA2B0E-4818-9849-9CF1-1031FD4E1DAB}" type="datetimeFigureOut">
               <a:rPr lang="en-US" smtClean="0"/>
               <a:pPr/>
-              <a:t>1/24/21</a:t>
+              <a:t>6/20/25</a:t>
             </a:fld>
             <a:endParaRPr lang="en-US"/>
           </a:p>
